--- a/応募用企画書.pptx
+++ b/応募用企画書.pptx
@@ -259,7 +259,7 @@
           <a:p>
             <a:fld id="{615BF780-E2C3-4BFD-AF2C-9FADFF649004}" type="datetimeFigureOut">
               <a:rPr kumimoji="1" lang="ja-JP" altLang="en-US" smtClean="0"/>
-              <a:t>2024/12/16</a:t>
+              <a:t>2024/12/19</a:t>
             </a:fld>
             <a:endParaRPr kumimoji="1" lang="ja-JP" altLang="en-US"/>
           </a:p>
@@ -461,7 +461,7 @@
           <a:p>
             <a:fld id="{615BF780-E2C3-4BFD-AF2C-9FADFF649004}" type="datetimeFigureOut">
               <a:rPr kumimoji="1" lang="ja-JP" altLang="en-US" smtClean="0"/>
-              <a:t>2024/12/16</a:t>
+              <a:t>2024/12/19</a:t>
             </a:fld>
             <a:endParaRPr kumimoji="1" lang="ja-JP" altLang="en-US"/>
           </a:p>
@@ -673,7 +673,7 @@
           <a:p>
             <a:fld id="{615BF780-E2C3-4BFD-AF2C-9FADFF649004}" type="datetimeFigureOut">
               <a:rPr kumimoji="1" lang="ja-JP" altLang="en-US" smtClean="0"/>
-              <a:t>2024/12/16</a:t>
+              <a:t>2024/12/19</a:t>
             </a:fld>
             <a:endParaRPr kumimoji="1" lang="ja-JP" altLang="en-US"/>
           </a:p>
@@ -875,7 +875,7 @@
           <a:p>
             <a:fld id="{615BF780-E2C3-4BFD-AF2C-9FADFF649004}" type="datetimeFigureOut">
               <a:rPr kumimoji="1" lang="ja-JP" altLang="en-US" smtClean="0"/>
-              <a:t>2024/12/16</a:t>
+              <a:t>2024/12/19</a:t>
             </a:fld>
             <a:endParaRPr kumimoji="1" lang="ja-JP" altLang="en-US"/>
           </a:p>
@@ -1121,7 +1121,7 @@
           <a:p>
             <a:fld id="{615BF780-E2C3-4BFD-AF2C-9FADFF649004}" type="datetimeFigureOut">
               <a:rPr kumimoji="1" lang="ja-JP" altLang="en-US" smtClean="0"/>
-              <a:t>2024/12/16</a:t>
+              <a:t>2024/12/19</a:t>
             </a:fld>
             <a:endParaRPr kumimoji="1" lang="ja-JP" altLang="en-US"/>
           </a:p>
@@ -1417,7 +1417,7 @@
           <a:p>
             <a:fld id="{615BF780-E2C3-4BFD-AF2C-9FADFF649004}" type="datetimeFigureOut">
               <a:rPr kumimoji="1" lang="ja-JP" altLang="en-US" smtClean="0"/>
-              <a:t>2024/12/16</a:t>
+              <a:t>2024/12/19</a:t>
             </a:fld>
             <a:endParaRPr kumimoji="1" lang="ja-JP" altLang="en-US"/>
           </a:p>
@@ -1848,7 +1848,7 @@
           <a:p>
             <a:fld id="{615BF780-E2C3-4BFD-AF2C-9FADFF649004}" type="datetimeFigureOut">
               <a:rPr kumimoji="1" lang="ja-JP" altLang="en-US" smtClean="0"/>
-              <a:t>2024/12/16</a:t>
+              <a:t>2024/12/19</a:t>
             </a:fld>
             <a:endParaRPr kumimoji="1" lang="ja-JP" altLang="en-US"/>
           </a:p>
@@ -1966,7 +1966,7 @@
           <a:p>
             <a:fld id="{615BF780-E2C3-4BFD-AF2C-9FADFF649004}" type="datetimeFigureOut">
               <a:rPr kumimoji="1" lang="ja-JP" altLang="en-US" smtClean="0"/>
-              <a:t>2024/12/16</a:t>
+              <a:t>2024/12/19</a:t>
             </a:fld>
             <a:endParaRPr kumimoji="1" lang="ja-JP" altLang="en-US"/>
           </a:p>
@@ -2061,7 +2061,7 @@
           <a:p>
             <a:fld id="{615BF780-E2C3-4BFD-AF2C-9FADFF649004}" type="datetimeFigureOut">
               <a:rPr kumimoji="1" lang="ja-JP" altLang="en-US" smtClean="0"/>
-              <a:t>2024/12/16</a:t>
+              <a:t>2024/12/19</a:t>
             </a:fld>
             <a:endParaRPr kumimoji="1" lang="ja-JP" altLang="en-US"/>
           </a:p>
@@ -2370,7 +2370,7 @@
           <a:p>
             <a:fld id="{615BF780-E2C3-4BFD-AF2C-9FADFF649004}" type="datetimeFigureOut">
               <a:rPr kumimoji="1" lang="ja-JP" altLang="en-US" smtClean="0"/>
-              <a:t>2024/12/16</a:t>
+              <a:t>2024/12/19</a:t>
             </a:fld>
             <a:endParaRPr kumimoji="1" lang="ja-JP" altLang="en-US"/>
           </a:p>
@@ -2623,7 +2623,7 @@
           <a:p>
             <a:fld id="{615BF780-E2C3-4BFD-AF2C-9FADFF649004}" type="datetimeFigureOut">
               <a:rPr kumimoji="1" lang="ja-JP" altLang="en-US" smtClean="0"/>
-              <a:t>2024/12/16</a:t>
+              <a:t>2024/12/19</a:t>
             </a:fld>
             <a:endParaRPr kumimoji="1" lang="ja-JP" altLang="en-US"/>
           </a:p>
@@ -2878,7 +2878,7 @@
           <a:p>
             <a:fld id="{615BF780-E2C3-4BFD-AF2C-9FADFF649004}" type="datetimeFigureOut">
               <a:rPr kumimoji="1" lang="ja-JP" altLang="en-US" smtClean="0"/>
-              <a:t>2024/12/16</a:t>
+              <a:t>2024/12/19</a:t>
             </a:fld>
             <a:endParaRPr kumimoji="1" lang="ja-JP" altLang="en-US"/>
           </a:p>
@@ -3768,7 +3768,7 @@
       </p:sp>
       <p:pic>
         <p:nvPicPr>
-          <p:cNvPr id="18" name="図 17"/>
+          <p:cNvPr id="20" name="図 19"/>
           <p:cNvPicPr>
             <a:picLocks noChangeAspect="1"/>
           </p:cNvPicPr>
@@ -3782,64 +3782,6 @@
               </a:ext>
             </a:extLst>
           </a:blip>
-          <a:srcRect l="43837" t="17953" r="44878" b="32664"/>
-          <a:stretch/>
-        </p:blipFill>
-        <p:spPr>
-          <a:xfrm>
-            <a:off x="243346" y="4634122"/>
-            <a:ext cx="662214" cy="1799691"/>
-          </a:xfrm>
-          <a:prstGeom prst="rect">
-            <a:avLst/>
-          </a:prstGeom>
-        </p:spPr>
-      </p:pic>
-      <p:pic>
-        <p:nvPicPr>
-          <p:cNvPr id="19" name="図 18"/>
-          <p:cNvPicPr>
-            <a:picLocks noChangeAspect="1"/>
-          </p:cNvPicPr>
-          <p:nvPr/>
-        </p:nvPicPr>
-        <p:blipFill rotWithShape="1">
-          <a:blip r:embed="rId5" cstate="print">
-            <a:extLst>
-              <a:ext uri="{28A0092B-C50C-407E-A947-70E740481C1C}">
-                <a14:useLocalDpi xmlns:a14="http://schemas.microsoft.com/office/drawing/2010/main" val="0"/>
-              </a:ext>
-            </a:extLst>
-          </a:blip>
-          <a:srcRect l="43837" t="17953" r="44878" b="32664"/>
-          <a:stretch/>
-        </p:blipFill>
-        <p:spPr>
-          <a:xfrm>
-            <a:off x="1046812" y="4870676"/>
-            <a:ext cx="662214" cy="1799691"/>
-          </a:xfrm>
-          <a:prstGeom prst="rect">
-            <a:avLst/>
-          </a:prstGeom>
-        </p:spPr>
-      </p:pic>
-      <p:pic>
-        <p:nvPicPr>
-          <p:cNvPr id="20" name="図 19"/>
-          <p:cNvPicPr>
-            <a:picLocks noChangeAspect="1"/>
-          </p:cNvPicPr>
-          <p:nvPr/>
-        </p:nvPicPr>
-        <p:blipFill rotWithShape="1">
-          <a:blip r:embed="rId6" cstate="print">
-            <a:extLst>
-              <a:ext uri="{28A0092B-C50C-407E-A947-70E740481C1C}">
-                <a14:useLocalDpi xmlns:a14="http://schemas.microsoft.com/office/drawing/2010/main" val="0"/>
-              </a:ext>
-            </a:extLst>
-          </a:blip>
           <a:srcRect l="30497" t="14111" r="44205" b="15342"/>
           <a:stretch/>
         </p:blipFill>
@@ -3862,7 +3804,7 @@
           <p:nvPr/>
         </p:nvPicPr>
         <p:blipFill rotWithShape="1">
-          <a:blip r:embed="rId7">
+          <a:blip r:embed="rId6">
             <a:extLst>
               <a:ext uri="{28A0092B-C50C-407E-A947-70E740481C1C}">
                 <a14:useLocalDpi xmlns:a14="http://schemas.microsoft.com/office/drawing/2010/main" val="0"/>
@@ -3891,7 +3833,7 @@
           <p:nvPr/>
         </p:nvPicPr>
         <p:blipFill rotWithShape="1">
-          <a:blip r:embed="rId7">
+          <a:blip r:embed="rId6">
             <a:extLst>
               <a:ext uri="{28A0092B-C50C-407E-A947-70E740481C1C}">
                 <a14:useLocalDpi xmlns:a14="http://schemas.microsoft.com/office/drawing/2010/main" val="0"/>
@@ -3920,7 +3862,7 @@
           <p:nvPr/>
         </p:nvPicPr>
         <p:blipFill rotWithShape="1">
-          <a:blip r:embed="rId7">
+          <a:blip r:embed="rId6">
             <a:extLst>
               <a:ext uri="{28A0092B-C50C-407E-A947-70E740481C1C}">
                 <a14:useLocalDpi xmlns:a14="http://schemas.microsoft.com/office/drawing/2010/main" val="0"/>
@@ -3949,7 +3891,7 @@
           <p:nvPr/>
         </p:nvPicPr>
         <p:blipFill rotWithShape="1">
-          <a:blip r:embed="rId7">
+          <a:blip r:embed="rId6">
             <a:extLst>
               <a:ext uri="{28A0092B-C50C-407E-A947-70E740481C1C}">
                 <a14:useLocalDpi xmlns:a14="http://schemas.microsoft.com/office/drawing/2010/main" val="0"/>
@@ -4264,6 +4206,60 @@
           </a:p>
         </p:txBody>
       </p:sp>
+      <p:pic>
+        <p:nvPicPr>
+          <p:cNvPr id="2" name="図 1"/>
+          <p:cNvPicPr>
+            <a:picLocks noChangeAspect="1"/>
+          </p:cNvPicPr>
+          <p:nvPr/>
+        </p:nvPicPr>
+        <p:blipFill>
+          <a:blip r:embed="rId7" cstate="print">
+            <a:extLst>
+              <a:ext uri="{28A0092B-C50C-407E-A947-70E740481C1C}">
+                <a14:useLocalDpi xmlns:a14="http://schemas.microsoft.com/office/drawing/2010/main" val="0"/>
+              </a:ext>
+            </a:extLst>
+          </a:blip>
+          <a:stretch>
+            <a:fillRect/>
+          </a:stretch>
+        </p:blipFill>
+        <p:spPr>
+          <a:xfrm>
+            <a:off x="-2394976" y="3938986"/>
+            <a:ext cx="6028368" cy="3390956"/>
+          </a:xfrm>
+          <a:prstGeom prst="rect">
+            <a:avLst/>
+          </a:prstGeom>
+        </p:spPr>
+      </p:pic>
+      <p:pic>
+        <p:nvPicPr>
+          <p:cNvPr id="5" name="図 4"/>
+          <p:cNvPicPr>
+            <a:picLocks noChangeAspect="1"/>
+          </p:cNvPicPr>
+          <p:nvPr/>
+        </p:nvPicPr>
+        <p:blipFill>
+          <a:blip r:embed="rId8"/>
+          <a:stretch>
+            <a:fillRect/>
+          </a:stretch>
+        </p:blipFill>
+        <p:spPr>
+          <a:xfrm>
+            <a:off x="-1534494" y="4495943"/>
+            <a:ext cx="5971352" cy="3352837"/>
+          </a:xfrm>
+          <a:prstGeom prst="rect">
+            <a:avLst/>
+          </a:prstGeom>
+        </p:spPr>
+      </p:pic>
     </p:spTree>
     <p:extLst>
       <p:ext uri="{BB962C8B-B14F-4D97-AF65-F5344CB8AC3E}">
